--- a/정리본.pptx
+++ b/정리본.pptx
@@ -243,7 +243,7 @@
           <a:p>
             <a:fld id="{0DA0334D-9F51-4194-A2B3-7DDA57DD4894}" type="datetimeFigureOut">
               <a:rPr lang="ko-KR" altLang="en-US" smtClean="0"/>
-              <a:t>2022-11-24</a:t>
+              <a:t>2022-11-25</a:t>
             </a:fld>
             <a:endParaRPr lang="ko-KR" altLang="en-US"/>
           </a:p>
@@ -413,7 +413,7 @@
           <a:p>
             <a:fld id="{0DA0334D-9F51-4194-A2B3-7DDA57DD4894}" type="datetimeFigureOut">
               <a:rPr lang="ko-KR" altLang="en-US" smtClean="0"/>
-              <a:t>2022-11-24</a:t>
+              <a:t>2022-11-25</a:t>
             </a:fld>
             <a:endParaRPr lang="ko-KR" altLang="en-US"/>
           </a:p>
@@ -593,7 +593,7 @@
           <a:p>
             <a:fld id="{0DA0334D-9F51-4194-A2B3-7DDA57DD4894}" type="datetimeFigureOut">
               <a:rPr lang="ko-KR" altLang="en-US" smtClean="0"/>
-              <a:t>2022-11-24</a:t>
+              <a:t>2022-11-25</a:t>
             </a:fld>
             <a:endParaRPr lang="ko-KR" altLang="en-US"/>
           </a:p>
@@ -763,7 +763,7 @@
           <a:p>
             <a:fld id="{0DA0334D-9F51-4194-A2B3-7DDA57DD4894}" type="datetimeFigureOut">
               <a:rPr lang="ko-KR" altLang="en-US" smtClean="0"/>
-              <a:t>2022-11-24</a:t>
+              <a:t>2022-11-25</a:t>
             </a:fld>
             <a:endParaRPr lang="ko-KR" altLang="en-US"/>
           </a:p>
@@ -1009,7 +1009,7 @@
           <a:p>
             <a:fld id="{0DA0334D-9F51-4194-A2B3-7DDA57DD4894}" type="datetimeFigureOut">
               <a:rPr lang="ko-KR" altLang="en-US" smtClean="0"/>
-              <a:t>2022-11-24</a:t>
+              <a:t>2022-11-25</a:t>
             </a:fld>
             <a:endParaRPr lang="ko-KR" altLang="en-US"/>
           </a:p>
@@ -1241,7 +1241,7 @@
           <a:p>
             <a:fld id="{0DA0334D-9F51-4194-A2B3-7DDA57DD4894}" type="datetimeFigureOut">
               <a:rPr lang="ko-KR" altLang="en-US" smtClean="0"/>
-              <a:t>2022-11-24</a:t>
+              <a:t>2022-11-25</a:t>
             </a:fld>
             <a:endParaRPr lang="ko-KR" altLang="en-US"/>
           </a:p>
@@ -1608,7 +1608,7 @@
           <a:p>
             <a:fld id="{0DA0334D-9F51-4194-A2B3-7DDA57DD4894}" type="datetimeFigureOut">
               <a:rPr lang="ko-KR" altLang="en-US" smtClean="0"/>
-              <a:t>2022-11-24</a:t>
+              <a:t>2022-11-25</a:t>
             </a:fld>
             <a:endParaRPr lang="ko-KR" altLang="en-US"/>
           </a:p>
@@ -1726,7 +1726,7 @@
           <a:p>
             <a:fld id="{0DA0334D-9F51-4194-A2B3-7DDA57DD4894}" type="datetimeFigureOut">
               <a:rPr lang="ko-KR" altLang="en-US" smtClean="0"/>
-              <a:t>2022-11-24</a:t>
+              <a:t>2022-11-25</a:t>
             </a:fld>
             <a:endParaRPr lang="ko-KR" altLang="en-US"/>
           </a:p>
@@ -1821,7 +1821,7 @@
           <a:p>
             <a:fld id="{0DA0334D-9F51-4194-A2B3-7DDA57DD4894}" type="datetimeFigureOut">
               <a:rPr lang="ko-KR" altLang="en-US" smtClean="0"/>
-              <a:t>2022-11-24</a:t>
+              <a:t>2022-11-25</a:t>
             </a:fld>
             <a:endParaRPr lang="ko-KR" altLang="en-US"/>
           </a:p>
@@ -2098,7 +2098,7 @@
           <a:p>
             <a:fld id="{0DA0334D-9F51-4194-A2B3-7DDA57DD4894}" type="datetimeFigureOut">
               <a:rPr lang="ko-KR" altLang="en-US" smtClean="0"/>
-              <a:t>2022-11-24</a:t>
+              <a:t>2022-11-25</a:t>
             </a:fld>
             <a:endParaRPr lang="ko-KR" altLang="en-US"/>
           </a:p>
@@ -2351,7 +2351,7 @@
           <a:p>
             <a:fld id="{0DA0334D-9F51-4194-A2B3-7DDA57DD4894}" type="datetimeFigureOut">
               <a:rPr lang="ko-KR" altLang="en-US" smtClean="0"/>
-              <a:t>2022-11-24</a:t>
+              <a:t>2022-11-25</a:t>
             </a:fld>
             <a:endParaRPr lang="ko-KR" altLang="en-US"/>
           </a:p>
@@ -2564,7 +2564,7 @@
           <a:p>
             <a:fld id="{0DA0334D-9F51-4194-A2B3-7DDA57DD4894}" type="datetimeFigureOut">
               <a:rPr lang="ko-KR" altLang="en-US" smtClean="0"/>
-              <a:t>2022-11-24</a:t>
+              <a:t>2022-11-25</a:t>
             </a:fld>
             <a:endParaRPr lang="ko-KR" altLang="en-US"/>
           </a:p>
@@ -5317,6 +5317,93 @@
           </a:p>
         </p:txBody>
       </p:sp>
+      <p:sp>
+        <p:nvSpPr>
+          <p:cNvPr id="52" name="직사각형 51"/>
+          <p:cNvSpPr/>
+          <p:nvPr/>
+        </p:nvSpPr>
+        <p:spPr>
+          <a:xfrm>
+            <a:off x="10294069" y="6909393"/>
+            <a:ext cx="1489499" cy="599314"/>
+          </a:xfrm>
+          <a:prstGeom prst="rect">
+            <a:avLst/>
+          </a:prstGeom>
+          <a:solidFill>
+            <a:srgbClr val="E8EEF6"/>
+          </a:solidFill>
+        </p:spPr>
+        <p:style>
+          <a:lnRef idx="2">
+            <a:schemeClr val="accent1">
+              <a:shade val="50000"/>
+            </a:schemeClr>
+          </a:lnRef>
+          <a:fillRef idx="1">
+            <a:schemeClr val="accent1"/>
+          </a:fillRef>
+          <a:effectRef idx="0">
+            <a:schemeClr val="accent1"/>
+          </a:effectRef>
+          <a:fontRef idx="minor">
+            <a:schemeClr val="lt1"/>
+          </a:fontRef>
+        </p:style>
+        <p:txBody>
+          <a:bodyPr rtlCol="0" anchor="ctr"/>
+          <a:lstStyle/>
+          <a:p>
+            <a:pPr algn="ctr"/>
+            <a:r>
+              <a:rPr lang="ko-KR" altLang="en-US" sz="1200" dirty="0" smtClean="0">
+                <a:solidFill>
+                  <a:schemeClr val="tx1"/>
+                </a:solidFill>
+              </a:rPr>
+              <a:t>박스 </a:t>
+            </a:r>
+            <a:r>
+              <a:rPr lang="en-US" altLang="ko-KR" sz="1200" dirty="0" smtClean="0">
+                <a:solidFill>
+                  <a:schemeClr val="tx1"/>
+                </a:solidFill>
+              </a:rPr>
+              <a:t>border </a:t>
+            </a:r>
+            <a:r>
+              <a:rPr lang="ko-KR" altLang="en-US" sz="1200" dirty="0" smtClean="0">
+                <a:solidFill>
+                  <a:schemeClr val="tx1"/>
+                </a:solidFill>
+              </a:rPr>
+              <a:t>색상</a:t>
+            </a:r>
+            <a:endParaRPr lang="en-US" altLang="ko-KR" dirty="0" smtClean="0">
+              <a:solidFill>
+                <a:schemeClr val="tx1"/>
+              </a:solidFill>
+            </a:endParaRPr>
+          </a:p>
+          <a:p>
+            <a:pPr algn="ctr"/>
+            <a:r>
+              <a:rPr lang="en-US" altLang="ko-KR" dirty="0">
+                <a:solidFill>
+                  <a:schemeClr val="tx1"/>
+                </a:solidFill>
+              </a:rPr>
+              <a:t>232 238 246</a:t>
+            </a:r>
+            <a:endParaRPr lang="ko-KR" altLang="en-US" dirty="0">
+              <a:solidFill>
+                <a:schemeClr val="tx1"/>
+              </a:solidFill>
+            </a:endParaRPr>
+          </a:p>
+        </p:txBody>
+      </p:sp>
     </p:spTree>
     <p:extLst>
       <p:ext uri="{BB962C8B-B14F-4D97-AF65-F5344CB8AC3E}">

--- a/정리본.pptx
+++ b/정리본.pptx
@@ -243,7 +243,7 @@
           <a:p>
             <a:fld id="{0DA0334D-9F51-4194-A2B3-7DDA57DD4894}" type="datetimeFigureOut">
               <a:rPr lang="ko-KR" altLang="en-US" smtClean="0"/>
-              <a:t>2022-11-25</a:t>
+              <a:t>2022-11-24</a:t>
             </a:fld>
             <a:endParaRPr lang="ko-KR" altLang="en-US"/>
           </a:p>
@@ -413,7 +413,7 @@
           <a:p>
             <a:fld id="{0DA0334D-9F51-4194-A2B3-7DDA57DD4894}" type="datetimeFigureOut">
               <a:rPr lang="ko-KR" altLang="en-US" smtClean="0"/>
-              <a:t>2022-11-25</a:t>
+              <a:t>2022-11-24</a:t>
             </a:fld>
             <a:endParaRPr lang="ko-KR" altLang="en-US"/>
           </a:p>
@@ -593,7 +593,7 @@
           <a:p>
             <a:fld id="{0DA0334D-9F51-4194-A2B3-7DDA57DD4894}" type="datetimeFigureOut">
               <a:rPr lang="ko-KR" altLang="en-US" smtClean="0"/>
-              <a:t>2022-11-25</a:t>
+              <a:t>2022-11-24</a:t>
             </a:fld>
             <a:endParaRPr lang="ko-KR" altLang="en-US"/>
           </a:p>
@@ -763,7 +763,7 @@
           <a:p>
             <a:fld id="{0DA0334D-9F51-4194-A2B3-7DDA57DD4894}" type="datetimeFigureOut">
               <a:rPr lang="ko-KR" altLang="en-US" smtClean="0"/>
-              <a:t>2022-11-25</a:t>
+              <a:t>2022-11-24</a:t>
             </a:fld>
             <a:endParaRPr lang="ko-KR" altLang="en-US"/>
           </a:p>
@@ -1009,7 +1009,7 @@
           <a:p>
             <a:fld id="{0DA0334D-9F51-4194-A2B3-7DDA57DD4894}" type="datetimeFigureOut">
               <a:rPr lang="ko-KR" altLang="en-US" smtClean="0"/>
-              <a:t>2022-11-25</a:t>
+              <a:t>2022-11-24</a:t>
             </a:fld>
             <a:endParaRPr lang="ko-KR" altLang="en-US"/>
           </a:p>
@@ -1241,7 +1241,7 @@
           <a:p>
             <a:fld id="{0DA0334D-9F51-4194-A2B3-7DDA57DD4894}" type="datetimeFigureOut">
               <a:rPr lang="ko-KR" altLang="en-US" smtClean="0"/>
-              <a:t>2022-11-25</a:t>
+              <a:t>2022-11-24</a:t>
             </a:fld>
             <a:endParaRPr lang="ko-KR" altLang="en-US"/>
           </a:p>
@@ -1608,7 +1608,7 @@
           <a:p>
             <a:fld id="{0DA0334D-9F51-4194-A2B3-7DDA57DD4894}" type="datetimeFigureOut">
               <a:rPr lang="ko-KR" altLang="en-US" smtClean="0"/>
-              <a:t>2022-11-25</a:t>
+              <a:t>2022-11-24</a:t>
             </a:fld>
             <a:endParaRPr lang="ko-KR" altLang="en-US"/>
           </a:p>
@@ -1726,7 +1726,7 @@
           <a:p>
             <a:fld id="{0DA0334D-9F51-4194-A2B3-7DDA57DD4894}" type="datetimeFigureOut">
               <a:rPr lang="ko-KR" altLang="en-US" smtClean="0"/>
-              <a:t>2022-11-25</a:t>
+              <a:t>2022-11-24</a:t>
             </a:fld>
             <a:endParaRPr lang="ko-KR" altLang="en-US"/>
           </a:p>
@@ -1821,7 +1821,7 @@
           <a:p>
             <a:fld id="{0DA0334D-9F51-4194-A2B3-7DDA57DD4894}" type="datetimeFigureOut">
               <a:rPr lang="ko-KR" altLang="en-US" smtClean="0"/>
-              <a:t>2022-11-25</a:t>
+              <a:t>2022-11-24</a:t>
             </a:fld>
             <a:endParaRPr lang="ko-KR" altLang="en-US"/>
           </a:p>
@@ -2098,7 +2098,7 @@
           <a:p>
             <a:fld id="{0DA0334D-9F51-4194-A2B3-7DDA57DD4894}" type="datetimeFigureOut">
               <a:rPr lang="ko-KR" altLang="en-US" smtClean="0"/>
-              <a:t>2022-11-25</a:t>
+              <a:t>2022-11-24</a:t>
             </a:fld>
             <a:endParaRPr lang="ko-KR" altLang="en-US"/>
           </a:p>
@@ -2351,7 +2351,7 @@
           <a:p>
             <a:fld id="{0DA0334D-9F51-4194-A2B3-7DDA57DD4894}" type="datetimeFigureOut">
               <a:rPr lang="ko-KR" altLang="en-US" smtClean="0"/>
-              <a:t>2022-11-25</a:t>
+              <a:t>2022-11-24</a:t>
             </a:fld>
             <a:endParaRPr lang="ko-KR" altLang="en-US"/>
           </a:p>
@@ -2564,7 +2564,7 @@
           <a:p>
             <a:fld id="{0DA0334D-9F51-4194-A2B3-7DDA57DD4894}" type="datetimeFigureOut">
               <a:rPr lang="ko-KR" altLang="en-US" smtClean="0"/>
-              <a:t>2022-11-25</a:t>
+              <a:t>2022-11-24</a:t>
             </a:fld>
             <a:endParaRPr lang="ko-KR" altLang="en-US"/>
           </a:p>
@@ -5317,93 +5317,6 @@
           </a:p>
         </p:txBody>
       </p:sp>
-      <p:sp>
-        <p:nvSpPr>
-          <p:cNvPr id="52" name="직사각형 51"/>
-          <p:cNvSpPr/>
-          <p:nvPr/>
-        </p:nvSpPr>
-        <p:spPr>
-          <a:xfrm>
-            <a:off x="10294069" y="6909393"/>
-            <a:ext cx="1489499" cy="599314"/>
-          </a:xfrm>
-          <a:prstGeom prst="rect">
-            <a:avLst/>
-          </a:prstGeom>
-          <a:solidFill>
-            <a:srgbClr val="E8EEF6"/>
-          </a:solidFill>
-        </p:spPr>
-        <p:style>
-          <a:lnRef idx="2">
-            <a:schemeClr val="accent1">
-              <a:shade val="50000"/>
-            </a:schemeClr>
-          </a:lnRef>
-          <a:fillRef idx="1">
-            <a:schemeClr val="accent1"/>
-          </a:fillRef>
-          <a:effectRef idx="0">
-            <a:schemeClr val="accent1"/>
-          </a:effectRef>
-          <a:fontRef idx="minor">
-            <a:schemeClr val="lt1"/>
-          </a:fontRef>
-        </p:style>
-        <p:txBody>
-          <a:bodyPr rtlCol="0" anchor="ctr"/>
-          <a:lstStyle/>
-          <a:p>
-            <a:pPr algn="ctr"/>
-            <a:r>
-              <a:rPr lang="ko-KR" altLang="en-US" sz="1200" dirty="0" smtClean="0">
-                <a:solidFill>
-                  <a:schemeClr val="tx1"/>
-                </a:solidFill>
-              </a:rPr>
-              <a:t>박스 </a:t>
-            </a:r>
-            <a:r>
-              <a:rPr lang="en-US" altLang="ko-KR" sz="1200" dirty="0" smtClean="0">
-                <a:solidFill>
-                  <a:schemeClr val="tx1"/>
-                </a:solidFill>
-              </a:rPr>
-              <a:t>border </a:t>
-            </a:r>
-            <a:r>
-              <a:rPr lang="ko-KR" altLang="en-US" sz="1200" dirty="0" smtClean="0">
-                <a:solidFill>
-                  <a:schemeClr val="tx1"/>
-                </a:solidFill>
-              </a:rPr>
-              <a:t>색상</a:t>
-            </a:r>
-            <a:endParaRPr lang="en-US" altLang="ko-KR" dirty="0" smtClean="0">
-              <a:solidFill>
-                <a:schemeClr val="tx1"/>
-              </a:solidFill>
-            </a:endParaRPr>
-          </a:p>
-          <a:p>
-            <a:pPr algn="ctr"/>
-            <a:r>
-              <a:rPr lang="en-US" altLang="ko-KR" dirty="0">
-                <a:solidFill>
-                  <a:schemeClr val="tx1"/>
-                </a:solidFill>
-              </a:rPr>
-              <a:t>232 238 246</a:t>
-            </a:r>
-            <a:endParaRPr lang="ko-KR" altLang="en-US" dirty="0">
-              <a:solidFill>
-                <a:schemeClr val="tx1"/>
-              </a:solidFill>
-            </a:endParaRPr>
-          </a:p>
-        </p:txBody>
-      </p:sp>
     </p:spTree>
     <p:extLst>
       <p:ext uri="{BB962C8B-B14F-4D97-AF65-F5344CB8AC3E}">
